--- a/repo - documentos/Diapositivas/Presentacion_SIGE_Slider.pptx
+++ b/repo - documentos/Diapositivas/Presentacion_SIGE_Slider.pptx
@@ -5440,8 +5440,12 @@
         <a:lstStyle/>
         <a:p>
           <a:r>
-            <a:rPr lang="en-US"/>
-            <a:t>Autores: Carlos Culma &amp; Johan Verjan.</a:t>
+            <a:rPr lang="en-US" dirty="0" err="1"/>
+            <a:t>Autores</a:t>
+          </a:r>
+          <a:r>
+            <a:rPr lang="en-US" dirty="0"/>
+            <a:t>: Carlos Daniel Culma Perdomo</a:t>
           </a:r>
         </a:p>
       </dgm:t>
@@ -7565,42 +7569,6 @@
         </a:p>
       </dgm:t>
     </dgm:pt>
-    <dgm:pt modelId="{ADBA7FEB-F12C-4CB1-9495-30C32344A879}">
-      <dgm:prSet/>
-      <dgm:spPr/>
-      <dgm:t>
-        <a:bodyPr/>
-        <a:lstStyle/>
-        <a:p>
-          <a:r>
-            <a:rPr lang="en-US"/>
-            <a:t>Johan Verjan – 50%</a:t>
-          </a:r>
-        </a:p>
-      </dgm:t>
-    </dgm:pt>
-    <dgm:pt modelId="{055F2242-B6E4-41D4-B9E9-5E984418559C}" type="parTrans" cxnId="{4ADD4040-56AE-4026-8E67-F53013959427}">
-      <dgm:prSet/>
-      <dgm:spPr/>
-      <dgm:t>
-        <a:bodyPr/>
-        <a:lstStyle/>
-        <a:p>
-          <a:endParaRPr lang="en-US"/>
-        </a:p>
-      </dgm:t>
-    </dgm:pt>
-    <dgm:pt modelId="{55C6E1FD-ED66-43B8-A6AD-9699CC2A19AB}" type="sibTrans" cxnId="{4ADD4040-56AE-4026-8E67-F53013959427}">
-      <dgm:prSet/>
-      <dgm:spPr/>
-      <dgm:t>
-        <a:bodyPr/>
-        <a:lstStyle/>
-        <a:p>
-          <a:endParaRPr lang="en-US"/>
-        </a:p>
-      </dgm:t>
-    </dgm:pt>
     <dgm:pt modelId="{1665047D-B195-4239-B4D2-22602B5836BE}">
       <dgm:prSet/>
       <dgm:spPr/>
@@ -7648,7 +7616,7 @@
       <dgm:spPr/>
     </dgm:pt>
     <dgm:pt modelId="{7C23D9B6-2F1A-4B19-B981-06A96AFBECAA}" type="pres">
-      <dgm:prSet presAssocID="{16CCE567-413B-4798-8C54-F130E6D16FC2}" presName="thickLine" presStyleLbl="alignNode1" presStyleIdx="0" presStyleCnt="4"/>
+      <dgm:prSet presAssocID="{16CCE567-413B-4798-8C54-F130E6D16FC2}" presName="thickLine" presStyleLbl="alignNode1" presStyleIdx="0" presStyleCnt="3"/>
       <dgm:spPr/>
     </dgm:pt>
     <dgm:pt modelId="{7B4F3064-E278-4B14-A69B-0B70F09A2CB6}" type="pres">
@@ -7656,7 +7624,7 @@
       <dgm:spPr/>
     </dgm:pt>
     <dgm:pt modelId="{F023FE66-DAF4-4A25-9698-C299212F3286}" type="pres">
-      <dgm:prSet presAssocID="{16CCE567-413B-4798-8C54-F130E6D16FC2}" presName="tx1" presStyleLbl="revTx" presStyleIdx="0" presStyleCnt="4"/>
+      <dgm:prSet presAssocID="{16CCE567-413B-4798-8C54-F130E6D16FC2}" presName="tx1" presStyleLbl="revTx" presStyleIdx="0" presStyleCnt="3"/>
       <dgm:spPr/>
     </dgm:pt>
     <dgm:pt modelId="{9A19BC65-96EE-483A-92B2-B4DAAF87BE10}" type="pres">
@@ -7664,7 +7632,7 @@
       <dgm:spPr/>
     </dgm:pt>
     <dgm:pt modelId="{324DD1B9-DE73-4072-A665-80F043E5D6F9}" type="pres">
-      <dgm:prSet presAssocID="{E1B67968-5E6D-4B53-85F3-6C8B3E5980A7}" presName="thickLine" presStyleLbl="alignNode1" presStyleIdx="1" presStyleCnt="4"/>
+      <dgm:prSet presAssocID="{E1B67968-5E6D-4B53-85F3-6C8B3E5980A7}" presName="thickLine" presStyleLbl="alignNode1" presStyleIdx="1" presStyleCnt="3"/>
       <dgm:spPr/>
     </dgm:pt>
     <dgm:pt modelId="{257A6F8F-F35D-424B-8C05-2F0ED41C7FA6}" type="pres">
@@ -7672,31 +7640,15 @@
       <dgm:spPr/>
     </dgm:pt>
     <dgm:pt modelId="{DFDE6181-C24C-4149-A84E-0486D8334C2A}" type="pres">
-      <dgm:prSet presAssocID="{E1B67968-5E6D-4B53-85F3-6C8B3E5980A7}" presName="tx1" presStyleLbl="revTx" presStyleIdx="1" presStyleCnt="4"/>
+      <dgm:prSet presAssocID="{E1B67968-5E6D-4B53-85F3-6C8B3E5980A7}" presName="tx1" presStyleLbl="revTx" presStyleIdx="1" presStyleCnt="3"/>
       <dgm:spPr/>
     </dgm:pt>
     <dgm:pt modelId="{D4C5B0AA-5DEA-48A2-A46C-09BFA73E17C2}" type="pres">
       <dgm:prSet presAssocID="{E1B67968-5E6D-4B53-85F3-6C8B3E5980A7}" presName="vert1" presStyleCnt="0"/>
       <dgm:spPr/>
     </dgm:pt>
-    <dgm:pt modelId="{1A025885-0C82-4992-AB24-AA78C52B5885}" type="pres">
-      <dgm:prSet presAssocID="{ADBA7FEB-F12C-4CB1-9495-30C32344A879}" presName="thickLine" presStyleLbl="alignNode1" presStyleIdx="2" presStyleCnt="4"/>
-      <dgm:spPr/>
-    </dgm:pt>
-    <dgm:pt modelId="{99DE7FD6-54B1-4B64-A64C-A6DB70F7EF72}" type="pres">
-      <dgm:prSet presAssocID="{ADBA7FEB-F12C-4CB1-9495-30C32344A879}" presName="horz1" presStyleCnt="0"/>
-      <dgm:spPr/>
-    </dgm:pt>
-    <dgm:pt modelId="{AE44C766-012C-4641-9B98-272ACCFC0F0C}" type="pres">
-      <dgm:prSet presAssocID="{ADBA7FEB-F12C-4CB1-9495-30C32344A879}" presName="tx1" presStyleLbl="revTx" presStyleIdx="2" presStyleCnt="4"/>
-      <dgm:spPr/>
-    </dgm:pt>
-    <dgm:pt modelId="{A98CEF29-F713-4220-9E0F-B0EC08422508}" type="pres">
-      <dgm:prSet presAssocID="{ADBA7FEB-F12C-4CB1-9495-30C32344A879}" presName="vert1" presStyleCnt="0"/>
-      <dgm:spPr/>
-    </dgm:pt>
     <dgm:pt modelId="{1A600F83-0769-47F2-85A0-3009FEBB3CCF}" type="pres">
-      <dgm:prSet presAssocID="{1665047D-B195-4239-B4D2-22602B5836BE}" presName="thickLine" presStyleLbl="alignNode1" presStyleIdx="3" presStyleCnt="4"/>
+      <dgm:prSet presAssocID="{1665047D-B195-4239-B4D2-22602B5836BE}" presName="thickLine" presStyleLbl="alignNode1" presStyleIdx="2" presStyleCnt="3"/>
       <dgm:spPr/>
     </dgm:pt>
     <dgm:pt modelId="{CB3FF6B0-D685-40D8-ABC5-5F69B1A44308}" type="pres">
@@ -7704,7 +7656,7 @@
       <dgm:spPr/>
     </dgm:pt>
     <dgm:pt modelId="{ECF8ACD6-E201-4A07-BFF3-095EDD6A98B3}" type="pres">
-      <dgm:prSet presAssocID="{1665047D-B195-4239-B4D2-22602B5836BE}" presName="tx1" presStyleLbl="revTx" presStyleIdx="3" presStyleCnt="4"/>
+      <dgm:prSet presAssocID="{1665047D-B195-4239-B4D2-22602B5836BE}" presName="tx1" presStyleLbl="revTx" presStyleIdx="2" presStyleCnt="3"/>
       <dgm:spPr/>
     </dgm:pt>
     <dgm:pt modelId="{8608E275-0F93-4C15-A8D3-98855CBD7922}" type="pres">
@@ -7713,10 +7665,8 @@
     </dgm:pt>
   </dgm:ptLst>
   <dgm:cxnLst>
-    <dgm:cxn modelId="{4ADD4040-56AE-4026-8E67-F53013959427}" srcId="{8CCD26B4-522D-46C9-A484-02654E131E7E}" destId="{ADBA7FEB-F12C-4CB1-9495-30C32344A879}" srcOrd="2" destOrd="0" parTransId="{055F2242-B6E4-41D4-B9E9-5E984418559C}" sibTransId="{55C6E1FD-ED66-43B8-A6AD-9699CC2A19AB}"/>
-    <dgm:cxn modelId="{B3A2B867-60B1-4E5D-8FC3-5ACFA9B1D296}" srcId="{8CCD26B4-522D-46C9-A484-02654E131E7E}" destId="{1665047D-B195-4239-B4D2-22602B5836BE}" srcOrd="3" destOrd="0" parTransId="{12758EA4-92D4-4505-ADF3-FAF732D49267}" sibTransId="{7B22441A-36E5-4C2A-9DF9-1BE04719B9E8}"/>
+    <dgm:cxn modelId="{B3A2B867-60B1-4E5D-8FC3-5ACFA9B1D296}" srcId="{8CCD26B4-522D-46C9-A484-02654E131E7E}" destId="{1665047D-B195-4239-B4D2-22602B5836BE}" srcOrd="2" destOrd="0" parTransId="{12758EA4-92D4-4505-ADF3-FAF732D49267}" sibTransId="{7B22441A-36E5-4C2A-9DF9-1BE04719B9E8}"/>
     <dgm:cxn modelId="{6E6C4168-258D-4DDB-A4FD-B8C220202FE6}" type="presOf" srcId="{E1B67968-5E6D-4B53-85F3-6C8B3E5980A7}" destId="{DFDE6181-C24C-4149-A84E-0486D8334C2A}" srcOrd="0" destOrd="0" presId="urn:microsoft.com/office/officeart/2008/layout/LinedList"/>
-    <dgm:cxn modelId="{400C5D4D-9947-4F4C-8569-CFBAB1D44CFD}" type="presOf" srcId="{ADBA7FEB-F12C-4CB1-9495-30C32344A879}" destId="{AE44C766-012C-4641-9B98-272ACCFC0F0C}" srcOrd="0" destOrd="0" presId="urn:microsoft.com/office/officeart/2008/layout/LinedList"/>
     <dgm:cxn modelId="{A3C0C78E-F1CB-491C-88FF-51CB50C1F9A5}" type="presOf" srcId="{8CCD26B4-522D-46C9-A484-02654E131E7E}" destId="{F0991566-3E99-48A4-B310-FC89CC81F7C1}" srcOrd="0" destOrd="0" presId="urn:microsoft.com/office/officeart/2008/layout/LinedList"/>
     <dgm:cxn modelId="{55EDD4D2-4FD3-439E-887A-18E3B4FD19B9}" type="presOf" srcId="{1665047D-B195-4239-B4D2-22602B5836BE}" destId="{ECF8ACD6-E201-4A07-BFF3-095EDD6A98B3}" srcOrd="0" destOrd="0" presId="urn:microsoft.com/office/officeart/2008/layout/LinedList"/>
     <dgm:cxn modelId="{D435A7DE-7C04-427D-924D-9142B7930E58}" type="presOf" srcId="{16CCE567-413B-4798-8C54-F130E6D16FC2}" destId="{F023FE66-DAF4-4A25-9698-C299212F3286}" srcOrd="0" destOrd="0" presId="urn:microsoft.com/office/officeart/2008/layout/LinedList"/>
@@ -7730,12 +7680,8 @@
     <dgm:cxn modelId="{D5E96781-6309-4D02-8E7B-88CA9B35A68C}" type="presParOf" srcId="{F0991566-3E99-48A4-B310-FC89CC81F7C1}" destId="{257A6F8F-F35D-424B-8C05-2F0ED41C7FA6}" srcOrd="3" destOrd="0" presId="urn:microsoft.com/office/officeart/2008/layout/LinedList"/>
     <dgm:cxn modelId="{2F8602DC-976B-4DC5-B91C-286C5EACB622}" type="presParOf" srcId="{257A6F8F-F35D-424B-8C05-2F0ED41C7FA6}" destId="{DFDE6181-C24C-4149-A84E-0486D8334C2A}" srcOrd="0" destOrd="0" presId="urn:microsoft.com/office/officeart/2008/layout/LinedList"/>
     <dgm:cxn modelId="{2920F43D-52E0-4518-B512-1EC641F2B5CF}" type="presParOf" srcId="{257A6F8F-F35D-424B-8C05-2F0ED41C7FA6}" destId="{D4C5B0AA-5DEA-48A2-A46C-09BFA73E17C2}" srcOrd="1" destOrd="0" presId="urn:microsoft.com/office/officeart/2008/layout/LinedList"/>
-    <dgm:cxn modelId="{84603B2D-13CA-461B-8DB3-50D58EA27F6C}" type="presParOf" srcId="{F0991566-3E99-48A4-B310-FC89CC81F7C1}" destId="{1A025885-0C82-4992-AB24-AA78C52B5885}" srcOrd="4" destOrd="0" presId="urn:microsoft.com/office/officeart/2008/layout/LinedList"/>
-    <dgm:cxn modelId="{B558828B-398B-4E7B-A1DC-5D4A683F529F}" type="presParOf" srcId="{F0991566-3E99-48A4-B310-FC89CC81F7C1}" destId="{99DE7FD6-54B1-4B64-A64C-A6DB70F7EF72}" srcOrd="5" destOrd="0" presId="urn:microsoft.com/office/officeart/2008/layout/LinedList"/>
-    <dgm:cxn modelId="{9AEA1B86-C89A-4C89-9AF9-C525F68E8C43}" type="presParOf" srcId="{99DE7FD6-54B1-4B64-A64C-A6DB70F7EF72}" destId="{AE44C766-012C-4641-9B98-272ACCFC0F0C}" srcOrd="0" destOrd="0" presId="urn:microsoft.com/office/officeart/2008/layout/LinedList"/>
-    <dgm:cxn modelId="{3EB18C5E-D90B-4C31-BAFD-1DB5B3975508}" type="presParOf" srcId="{99DE7FD6-54B1-4B64-A64C-A6DB70F7EF72}" destId="{A98CEF29-F713-4220-9E0F-B0EC08422508}" srcOrd="1" destOrd="0" presId="urn:microsoft.com/office/officeart/2008/layout/LinedList"/>
-    <dgm:cxn modelId="{028B8F03-7AB5-42A6-922F-05BC082E1A8A}" type="presParOf" srcId="{F0991566-3E99-48A4-B310-FC89CC81F7C1}" destId="{1A600F83-0769-47F2-85A0-3009FEBB3CCF}" srcOrd="6" destOrd="0" presId="urn:microsoft.com/office/officeart/2008/layout/LinedList"/>
-    <dgm:cxn modelId="{16582F87-1747-4F10-9943-E8F13447EBDC}" type="presParOf" srcId="{F0991566-3E99-48A4-B310-FC89CC81F7C1}" destId="{CB3FF6B0-D685-40D8-ABC5-5F69B1A44308}" srcOrd="7" destOrd="0" presId="urn:microsoft.com/office/officeart/2008/layout/LinedList"/>
+    <dgm:cxn modelId="{028B8F03-7AB5-42A6-922F-05BC082E1A8A}" type="presParOf" srcId="{F0991566-3E99-48A4-B310-FC89CC81F7C1}" destId="{1A600F83-0769-47F2-85A0-3009FEBB3CCF}" srcOrd="4" destOrd="0" presId="urn:microsoft.com/office/officeart/2008/layout/LinedList"/>
+    <dgm:cxn modelId="{16582F87-1747-4F10-9943-E8F13447EBDC}" type="presParOf" srcId="{F0991566-3E99-48A4-B310-FC89CC81F7C1}" destId="{CB3FF6B0-D685-40D8-ABC5-5F69B1A44308}" srcOrd="5" destOrd="0" presId="urn:microsoft.com/office/officeart/2008/layout/LinedList"/>
     <dgm:cxn modelId="{9CE8FC75-5A87-47BE-9640-30AE4D2A5F7D}" type="presParOf" srcId="{CB3FF6B0-D685-40D8-ABC5-5F69B1A44308}" destId="{ECF8ACD6-E201-4A07-BFF3-095EDD6A98B3}" srcOrd="0" destOrd="0" presId="urn:microsoft.com/office/officeart/2008/layout/LinedList"/>
     <dgm:cxn modelId="{25A454E7-98F1-4485-81AB-E1A683B1ED5A}" type="presParOf" srcId="{CB3FF6B0-D685-40D8-ABC5-5F69B1A44308}" destId="{8608E275-0F93-4C15-A8D3-98855CBD7922}" srcOrd="1" destOrd="0" presId="urn:microsoft.com/office/officeart/2008/layout/LinedList"/>
   </dgm:cxnLst>
@@ -8397,8 +8343,12 @@
             <a:buNone/>
           </a:pPr>
           <a:r>
-            <a:rPr lang="en-US" sz="2000" kern="1200"/>
-            <a:t>Autores: Carlos Culma &amp; Johan Verjan.</a:t>
+            <a:rPr lang="en-US" sz="2000" kern="1200" dirty="0" err="1"/>
+            <a:t>Autores</a:t>
+          </a:r>
+          <a:r>
+            <a:rPr lang="en-US" sz="2000" kern="1200" dirty="0"/>
+            <a:t>: Carlos Daniel Culma Perdomo</a:t>
           </a:r>
         </a:p>
       </dsp:txBody>
@@ -11330,7 +11280,7 @@
       </dsp:nvSpPr>
       <dsp:spPr>
         <a:xfrm>
-          <a:off x="0" y="0"/>
+          <a:off x="0" y="2663"/>
           <a:ext cx="5000124" cy="0"/>
         </a:xfrm>
         <a:prstGeom prst="line">
@@ -11404,8 +11354,8 @@
       </dsp:nvSpPr>
       <dsp:spPr>
         <a:xfrm>
-          <a:off x="0" y="0"/>
-          <a:ext cx="5000124" cy="1363480"/>
+          <a:off x="0" y="2663"/>
+          <a:ext cx="5000124" cy="1816197"/>
         </a:xfrm>
         <a:prstGeom prst="rect">
           <a:avLst/>
@@ -11453,8 +11403,8 @@
         </a:p>
       </dsp:txBody>
       <dsp:txXfrm>
-        <a:off x="0" y="0"/>
-        <a:ext cx="5000124" cy="1363480"/>
+        <a:off x="0" y="2663"/>
+        <a:ext cx="5000124" cy="1816197"/>
       </dsp:txXfrm>
     </dsp:sp>
     <dsp:sp modelId="{324DD1B9-DE73-4072-A665-80F043E5D6F9}">
@@ -11464,7 +11414,7 @@
       </dsp:nvSpPr>
       <dsp:spPr>
         <a:xfrm>
-          <a:off x="0" y="1363480"/>
+          <a:off x="0" y="1818861"/>
           <a:ext cx="5000124" cy="0"/>
         </a:xfrm>
         <a:prstGeom prst="line">
@@ -11538,8 +11488,8 @@
       </dsp:nvSpPr>
       <dsp:spPr>
         <a:xfrm>
-          <a:off x="0" y="1363480"/>
-          <a:ext cx="5000124" cy="1363480"/>
+          <a:off x="0" y="1818861"/>
+          <a:ext cx="5000124" cy="1816197"/>
         </a:xfrm>
         <a:prstGeom prst="rect">
           <a:avLst/>
@@ -11587,18 +11537,18 @@
         </a:p>
       </dsp:txBody>
       <dsp:txXfrm>
-        <a:off x="0" y="1363480"/>
-        <a:ext cx="5000124" cy="1363480"/>
+        <a:off x="0" y="1818861"/>
+        <a:ext cx="5000124" cy="1816197"/>
       </dsp:txXfrm>
     </dsp:sp>
-    <dsp:sp modelId="{1A025885-0C82-4992-AB24-AA78C52B5885}">
+    <dsp:sp modelId="{1A600F83-0769-47F2-85A0-3009FEBB3CCF}">
       <dsp:nvSpPr>
         <dsp:cNvPr id="0" name=""/>
         <dsp:cNvSpPr/>
       </dsp:nvSpPr>
       <dsp:spPr>
         <a:xfrm>
-          <a:off x="0" y="2726960"/>
+          <a:off x="0" y="3635058"/>
           <a:ext cx="5000124" cy="0"/>
         </a:xfrm>
         <a:prstGeom prst="line">
@@ -11665,140 +11615,6 @@
         </a:fontRef>
       </dsp:style>
     </dsp:sp>
-    <dsp:sp modelId="{AE44C766-012C-4641-9B98-272ACCFC0F0C}">
-      <dsp:nvSpPr>
-        <dsp:cNvPr id="0" name=""/>
-        <dsp:cNvSpPr/>
-      </dsp:nvSpPr>
-      <dsp:spPr>
-        <a:xfrm>
-          <a:off x="0" y="2726960"/>
-          <a:ext cx="5000124" cy="1363480"/>
-        </a:xfrm>
-        <a:prstGeom prst="rect">
-          <a:avLst/>
-        </a:prstGeom>
-        <a:noFill/>
-        <a:ln>
-          <a:noFill/>
-        </a:ln>
-        <a:effectLst/>
-      </dsp:spPr>
-      <dsp:style>
-        <a:lnRef idx="0">
-          <a:scrgbClr r="0" g="0" b="0"/>
-        </a:lnRef>
-        <a:fillRef idx="0">
-          <a:scrgbClr r="0" g="0" b="0"/>
-        </a:fillRef>
-        <a:effectRef idx="0">
-          <a:scrgbClr r="0" g="0" b="0"/>
-        </a:effectRef>
-        <a:fontRef idx="minor"/>
-      </dsp:style>
-      <dsp:txBody>
-        <a:bodyPr spcFirstLastPara="0" vert="horz" wrap="square" lIns="137160" tIns="137160" rIns="137160" bIns="137160" numCol="1" spcCol="1270" anchor="t" anchorCtr="0">
-          <a:noAutofit/>
-        </a:bodyPr>
-        <a:lstStyle/>
-        <a:p>
-          <a:pPr marL="0" lvl="0" indent="0" algn="l" defTabSz="1600200">
-            <a:lnSpc>
-              <a:spcPct val="90000"/>
-            </a:lnSpc>
-            <a:spcBef>
-              <a:spcPct val="0"/>
-            </a:spcBef>
-            <a:spcAft>
-              <a:spcPct val="35000"/>
-            </a:spcAft>
-            <a:buNone/>
-          </a:pPr>
-          <a:r>
-            <a:rPr lang="en-US" sz="3600" kern="1200"/>
-            <a:t>Johan Verjan – 50%</a:t>
-          </a:r>
-        </a:p>
-      </dsp:txBody>
-      <dsp:txXfrm>
-        <a:off x="0" y="2726960"/>
-        <a:ext cx="5000124" cy="1363480"/>
-      </dsp:txXfrm>
-    </dsp:sp>
-    <dsp:sp modelId="{1A600F83-0769-47F2-85A0-3009FEBB3CCF}">
-      <dsp:nvSpPr>
-        <dsp:cNvPr id="0" name=""/>
-        <dsp:cNvSpPr/>
-      </dsp:nvSpPr>
-      <dsp:spPr>
-        <a:xfrm>
-          <a:off x="0" y="4090440"/>
-          <a:ext cx="5000124" cy="0"/>
-        </a:xfrm>
-        <a:prstGeom prst="line">
-          <a:avLst/>
-        </a:prstGeom>
-        <a:gradFill rotWithShape="0">
-          <a:gsLst>
-            <a:gs pos="0">
-              <a:schemeClr val="accent5">
-                <a:hueOff val="0"/>
-                <a:satOff val="0"/>
-                <a:lumOff val="0"/>
-                <a:alphaOff val="0"/>
-                <a:tint val="100000"/>
-                <a:shade val="100000"/>
-                <a:satMod val="130000"/>
-              </a:schemeClr>
-            </a:gs>
-            <a:gs pos="100000">
-              <a:schemeClr val="accent5">
-                <a:hueOff val="0"/>
-                <a:satOff val="0"/>
-                <a:lumOff val="0"/>
-                <a:alphaOff val="0"/>
-                <a:tint val="50000"/>
-                <a:shade val="100000"/>
-                <a:satMod val="350000"/>
-              </a:schemeClr>
-            </a:gs>
-          </a:gsLst>
-          <a:lin ang="16200000" scaled="0"/>
-        </a:gradFill>
-        <a:ln w="9525" cap="flat" cmpd="sng" algn="ctr">
-          <a:solidFill>
-            <a:schemeClr val="accent5">
-              <a:hueOff val="0"/>
-              <a:satOff val="0"/>
-              <a:lumOff val="0"/>
-              <a:alphaOff val="0"/>
-            </a:schemeClr>
-          </a:solidFill>
-          <a:prstDash val="solid"/>
-        </a:ln>
-        <a:effectLst>
-          <a:outerShdw blurRad="40000" dist="23000" dir="5400000" rotWithShape="0">
-            <a:srgbClr val="000000">
-              <a:alpha val="35000"/>
-            </a:srgbClr>
-          </a:outerShdw>
-        </a:effectLst>
-      </dsp:spPr>
-      <dsp:style>
-        <a:lnRef idx="1">
-          <a:scrgbClr r="0" g="0" b="0"/>
-        </a:lnRef>
-        <a:fillRef idx="3">
-          <a:scrgbClr r="0" g="0" b="0"/>
-        </a:fillRef>
-        <a:effectRef idx="2">
-          <a:scrgbClr r="0" g="0" b="0"/>
-        </a:effectRef>
-        <a:fontRef idx="minor">
-          <a:schemeClr val="lt1"/>
-        </a:fontRef>
-      </dsp:style>
-    </dsp:sp>
     <dsp:sp modelId="{ECF8ACD6-E201-4A07-BFF3-095EDD6A98B3}">
       <dsp:nvSpPr>
         <dsp:cNvPr id="0" name=""/>
@@ -11806,8 +11622,8 @@
       </dsp:nvSpPr>
       <dsp:spPr>
         <a:xfrm>
-          <a:off x="0" y="4090440"/>
-          <a:ext cx="5000124" cy="1363480"/>
+          <a:off x="0" y="3635058"/>
+          <a:ext cx="5000124" cy="1816197"/>
         </a:xfrm>
         <a:prstGeom prst="rect">
           <a:avLst/>
@@ -11855,8 +11671,8 @@
         </a:p>
       </dsp:txBody>
       <dsp:txXfrm>
-        <a:off x="0" y="4090440"/>
-        <a:ext cx="5000124" cy="1363480"/>
+        <a:off x="0" y="3635058"/>
+        <a:ext cx="5000124" cy="1816197"/>
       </dsp:txXfrm>
     </dsp:sp>
   </dsp:spTree>
@@ -20510,7 +20326,7 @@
           <a:p>
             <a:fld id="{5BCAD085-E8A6-8845-BD4E-CB4CCA059FC4}" type="datetimeFigureOut">
               <a:rPr lang="en-US" smtClean="0"/>
-              <a:t>11/14/2025</a:t>
+              <a:t>12/11/2025</a:t>
             </a:fld>
             <a:endParaRPr lang="en-US"/>
           </a:p>
@@ -20678,7 +20494,7 @@
           <a:p>
             <a:fld id="{5BCAD085-E8A6-8845-BD4E-CB4CCA059FC4}" type="datetimeFigureOut">
               <a:rPr lang="en-US" smtClean="0"/>
-              <a:t>11/14/2025</a:t>
+              <a:t>12/11/2025</a:t>
             </a:fld>
             <a:endParaRPr lang="en-US"/>
           </a:p>
@@ -20856,7 +20672,7 @@
           <a:p>
             <a:fld id="{5BCAD085-E8A6-8845-BD4E-CB4CCA059FC4}" type="datetimeFigureOut">
               <a:rPr lang="en-US" smtClean="0"/>
-              <a:t>11/14/2025</a:t>
+              <a:t>12/11/2025</a:t>
             </a:fld>
             <a:endParaRPr lang="en-US"/>
           </a:p>
@@ -21024,7 +20840,7 @@
           <a:p>
             <a:fld id="{5BCAD085-E8A6-8845-BD4E-CB4CCA059FC4}" type="datetimeFigureOut">
               <a:rPr lang="en-US" smtClean="0"/>
-              <a:t>11/14/2025</a:t>
+              <a:t>12/11/2025</a:t>
             </a:fld>
             <a:endParaRPr lang="en-US"/>
           </a:p>
@@ -21269,7 +21085,7 @@
           <a:p>
             <a:fld id="{5BCAD085-E8A6-8845-BD4E-CB4CCA059FC4}" type="datetimeFigureOut">
               <a:rPr lang="en-US" smtClean="0"/>
-              <a:t>11/14/2025</a:t>
+              <a:t>12/11/2025</a:t>
             </a:fld>
             <a:endParaRPr lang="en-US"/>
           </a:p>
@@ -21554,7 +21370,7 @@
           <a:p>
             <a:fld id="{5BCAD085-E8A6-8845-BD4E-CB4CCA059FC4}" type="datetimeFigureOut">
               <a:rPr lang="en-US" smtClean="0"/>
-              <a:t>11/14/2025</a:t>
+              <a:t>12/11/2025</a:t>
             </a:fld>
             <a:endParaRPr lang="en-US"/>
           </a:p>
@@ -21973,7 +21789,7 @@
           <a:p>
             <a:fld id="{5BCAD085-E8A6-8845-BD4E-CB4CCA059FC4}" type="datetimeFigureOut">
               <a:rPr lang="en-US" smtClean="0"/>
-              <a:t>11/14/2025</a:t>
+              <a:t>12/11/2025</a:t>
             </a:fld>
             <a:endParaRPr lang="en-US"/>
           </a:p>
@@ -22090,7 +21906,7 @@
           <a:p>
             <a:fld id="{5BCAD085-E8A6-8845-BD4E-CB4CCA059FC4}" type="datetimeFigureOut">
               <a:rPr lang="en-US" smtClean="0"/>
-              <a:t>11/14/2025</a:t>
+              <a:t>12/11/2025</a:t>
             </a:fld>
             <a:endParaRPr lang="en-US"/>
           </a:p>
@@ -22185,7 +22001,7 @@
           <a:p>
             <a:fld id="{5BCAD085-E8A6-8845-BD4E-CB4CCA059FC4}" type="datetimeFigureOut">
               <a:rPr lang="en-US" smtClean="0"/>
-              <a:t>11/14/2025</a:t>
+              <a:t>12/11/2025</a:t>
             </a:fld>
             <a:endParaRPr lang="en-US"/>
           </a:p>
@@ -22460,7 +22276,7 @@
           <a:p>
             <a:fld id="{5BCAD085-E8A6-8845-BD4E-CB4CCA059FC4}" type="datetimeFigureOut">
               <a:rPr lang="en-US" smtClean="0"/>
-              <a:t>11/14/2025</a:t>
+              <a:t>12/11/2025</a:t>
             </a:fld>
             <a:endParaRPr lang="en-US"/>
           </a:p>
@@ -22712,7 +22528,7 @@
           <a:p>
             <a:fld id="{5BCAD085-E8A6-8845-BD4E-CB4CCA059FC4}" type="datetimeFigureOut">
               <a:rPr lang="en-US" smtClean="0"/>
-              <a:t>11/14/2025</a:t>
+              <a:t>12/11/2025</a:t>
             </a:fld>
             <a:endParaRPr lang="en-US"/>
           </a:p>
@@ -22923,7 +22739,7 @@
           <a:p>
             <a:fld id="{5BCAD085-E8A6-8845-BD4E-CB4CCA059FC4}" type="datetimeFigureOut">
               <a:rPr lang="en-US" smtClean="0"/>
-              <a:t>11/14/2025</a:t>
+              <a:t>12/11/2025</a:t>
             </a:fld>
             <a:endParaRPr lang="en-US"/>
           </a:p>
@@ -23657,7 +23473,7 @@
             <p:ph idx="1"/>
             <p:extLst>
               <p:ext uri="{D42A27DB-BD31-4B8C-83A1-F6EECF244321}">
-                <p14:modId xmlns:p14="http://schemas.microsoft.com/office/powerpoint/2010/main" val="3377899868"/>
+                <p14:modId xmlns:p14="http://schemas.microsoft.com/office/powerpoint/2010/main" val="2468953623"/>
               </p:ext>
             </p:extLst>
           </p:nvPr>
@@ -26049,7 +25865,7 @@
             <p:ph idx="1"/>
             <p:extLst>
               <p:ext uri="{D42A27DB-BD31-4B8C-83A1-F6EECF244321}">
-                <p14:modId xmlns:p14="http://schemas.microsoft.com/office/powerpoint/2010/main" val="2829729298"/>
+                <p14:modId xmlns:p14="http://schemas.microsoft.com/office/powerpoint/2010/main" val="2271751916"/>
               </p:ext>
             </p:extLst>
           </p:nvPr>
